--- a/Docs/peças especificacoes/chicotes/conexao externa.pptx
+++ b/Docs/peças especificacoes/chicotes/conexao externa.pptx
@@ -104,6 +104,11 @@
       </a:defRPr>
     </a:lvl9pPr>
   </p:defaultTextStyle>
+  <p:extLst>
+    <p:ext uri="{EFAFB233-063F-42B5-8137-9DF3F51BA10A}">
+      <p15:sldGuideLst xmlns:p15="http://schemas.microsoft.com/office/powerpoint/2012/main"/>
+    </p:ext>
+  </p:extLst>
 </p:presentation>
 </file>
 
@@ -254,7 +259,7 @@
           <a:p>
             <a:fld id="{0941B1E2-B383-4BD3-9BBC-441A3379692D}" type="datetimeFigureOut">
               <a:rPr lang="pt-BR" smtClean="0"/>
-              <a:t>06/11/2018</a:t>
+              <a:t>26/11/2018</a:t>
             </a:fld>
             <a:endParaRPr lang="pt-BR"/>
           </a:p>
@@ -452,7 +457,7 @@
           <a:p>
             <a:fld id="{0941B1E2-B383-4BD3-9BBC-441A3379692D}" type="datetimeFigureOut">
               <a:rPr lang="pt-BR" smtClean="0"/>
-              <a:t>06/11/2018</a:t>
+              <a:t>26/11/2018</a:t>
             </a:fld>
             <a:endParaRPr lang="pt-BR"/>
           </a:p>
@@ -660,7 +665,7 @@
           <a:p>
             <a:fld id="{0941B1E2-B383-4BD3-9BBC-441A3379692D}" type="datetimeFigureOut">
               <a:rPr lang="pt-BR" smtClean="0"/>
-              <a:t>06/11/2018</a:t>
+              <a:t>26/11/2018</a:t>
             </a:fld>
             <a:endParaRPr lang="pt-BR"/>
           </a:p>
@@ -858,7 +863,7 @@
           <a:p>
             <a:fld id="{0941B1E2-B383-4BD3-9BBC-441A3379692D}" type="datetimeFigureOut">
               <a:rPr lang="pt-BR" smtClean="0"/>
-              <a:t>06/11/2018</a:t>
+              <a:t>26/11/2018</a:t>
             </a:fld>
             <a:endParaRPr lang="pt-BR"/>
           </a:p>
@@ -1133,7 +1138,7 @@
           <a:p>
             <a:fld id="{0941B1E2-B383-4BD3-9BBC-441A3379692D}" type="datetimeFigureOut">
               <a:rPr lang="pt-BR" smtClean="0"/>
-              <a:t>06/11/2018</a:t>
+              <a:t>26/11/2018</a:t>
             </a:fld>
             <a:endParaRPr lang="pt-BR"/>
           </a:p>
@@ -1398,7 +1403,7 @@
           <a:p>
             <a:fld id="{0941B1E2-B383-4BD3-9BBC-441A3379692D}" type="datetimeFigureOut">
               <a:rPr lang="pt-BR" smtClean="0"/>
-              <a:t>06/11/2018</a:t>
+              <a:t>26/11/2018</a:t>
             </a:fld>
             <a:endParaRPr lang="pt-BR"/>
           </a:p>
@@ -1810,7 +1815,7 @@
           <a:p>
             <a:fld id="{0941B1E2-B383-4BD3-9BBC-441A3379692D}" type="datetimeFigureOut">
               <a:rPr lang="pt-BR" smtClean="0"/>
-              <a:t>06/11/2018</a:t>
+              <a:t>26/11/2018</a:t>
             </a:fld>
             <a:endParaRPr lang="pt-BR"/>
           </a:p>
@@ -1951,7 +1956,7 @@
           <a:p>
             <a:fld id="{0941B1E2-B383-4BD3-9BBC-441A3379692D}" type="datetimeFigureOut">
               <a:rPr lang="pt-BR" smtClean="0"/>
-              <a:t>06/11/2018</a:t>
+              <a:t>26/11/2018</a:t>
             </a:fld>
             <a:endParaRPr lang="pt-BR"/>
           </a:p>
@@ -2064,7 +2069,7 @@
           <a:p>
             <a:fld id="{0941B1E2-B383-4BD3-9BBC-441A3379692D}" type="datetimeFigureOut">
               <a:rPr lang="pt-BR" smtClean="0"/>
-              <a:t>06/11/2018</a:t>
+              <a:t>26/11/2018</a:t>
             </a:fld>
             <a:endParaRPr lang="pt-BR"/>
           </a:p>
@@ -2375,7 +2380,7 @@
           <a:p>
             <a:fld id="{0941B1E2-B383-4BD3-9BBC-441A3379692D}" type="datetimeFigureOut">
               <a:rPr lang="pt-BR" smtClean="0"/>
-              <a:t>06/11/2018</a:t>
+              <a:t>26/11/2018</a:t>
             </a:fld>
             <a:endParaRPr lang="pt-BR"/>
           </a:p>
@@ -2663,7 +2668,7 @@
           <a:p>
             <a:fld id="{0941B1E2-B383-4BD3-9BBC-441A3379692D}" type="datetimeFigureOut">
               <a:rPr lang="pt-BR" smtClean="0"/>
-              <a:t>06/11/2018</a:t>
+              <a:t>26/11/2018</a:t>
             </a:fld>
             <a:endParaRPr lang="pt-BR"/>
           </a:p>
@@ -2904,7 +2909,7 @@
           <a:p>
             <a:fld id="{0941B1E2-B383-4BD3-9BBC-441A3379692D}" type="datetimeFigureOut">
               <a:rPr lang="pt-BR" smtClean="0"/>
-              <a:t>06/11/2018</a:t>
+              <a:t>26/11/2018</a:t>
             </a:fld>
             <a:endParaRPr lang="pt-BR"/>
           </a:p>
@@ -4781,7 +4786,7 @@
         <p:spPr>
           <a:xfrm>
             <a:off x="2465315" y="6400432"/>
-            <a:ext cx="3187155" cy="369332"/>
+            <a:ext cx="1359668" cy="369332"/>
           </a:xfrm>
           <a:prstGeom prst="rect">
             <a:avLst/>
@@ -4800,7 +4805,7 @@
                   <a:srgbClr val="FF0000"/>
                 </a:solidFill>
               </a:rPr>
-              <a:t>Cabo 14 </a:t>
+              <a:t>Cabo 11 </a:t>
             </a:r>
             <a:r>
               <a:rPr lang="en-US" dirty="0" err="1">
@@ -4810,46 +4815,11 @@
               </a:rPr>
               <a:t>vias</a:t>
             </a:r>
-            <a:r>
-              <a:rPr lang="en-US" dirty="0">
-                <a:solidFill>
-                  <a:srgbClr val="FF0000"/>
-                </a:solidFill>
-              </a:rPr>
-              <a:t> ? </a:t>
-            </a:r>
-            <a:r>
-              <a:rPr lang="en-US" dirty="0" err="1">
-                <a:solidFill>
-                  <a:srgbClr val="FF0000"/>
-                </a:solidFill>
-              </a:rPr>
-              <a:t>Existe</a:t>
-            </a:r>
-            <a:r>
-              <a:rPr lang="en-US" dirty="0">
-                <a:solidFill>
-                  <a:srgbClr val="FF0000"/>
-                </a:solidFill>
-              </a:rPr>
-              <a:t> ? É </a:t>
-            </a:r>
-            <a:r>
-              <a:rPr lang="en-US" dirty="0" err="1">
-                <a:solidFill>
-                  <a:srgbClr val="FF0000"/>
-                </a:solidFill>
-              </a:rPr>
-              <a:t>viavel</a:t>
-            </a:r>
-            <a:r>
-              <a:rPr lang="en-US" dirty="0">
-                <a:solidFill>
-                  <a:srgbClr val="FF0000"/>
-                </a:solidFill>
-              </a:rPr>
-              <a:t> ?</a:t>
-            </a:r>
+            <a:endParaRPr lang="en-US" dirty="0">
+              <a:solidFill>
+                <a:srgbClr val="FF0000"/>
+              </a:solidFill>
+            </a:endParaRPr>
           </a:p>
         </p:txBody>
       </p:sp>
